--- a/PPT_CA1/Data Management - CA1 - AML WLM Ethics - Student Ciaran Finnegan d21124026 v1-3 240222.pptx
+++ b/PPT_CA1/Data Management - CA1 - AML WLM Ethics - Student Ciaran Finnegan d21124026 v1-3 240222.pptx
@@ -3115,7 +3115,7 @@
             </a:lvl9pPr>
           </a:lstStyle>
           <a:p>
-            <a:endParaRPr lang="en-GB"/>
+            <a:endParaRPr lang="en-GB" dirty="0"/>
           </a:p>
         </p:txBody>
       </p:sp>
@@ -4664,10 +4664,10 @@
           </a:lstStyle>
           <a:p>
             <a:r>
-              <a:rPr lang="en-US"/>
+              <a:rPr lang="en-US" dirty="0"/>
               <a:t>Click icon to add picture</a:t>
             </a:r>
-            <a:endParaRPr lang="en-GB"/>
+            <a:endParaRPr lang="en-GB" dirty="0"/>
           </a:p>
         </p:txBody>
       </p:sp>
@@ -6301,13 +6301,6 @@
   <p:transition spd="slow">
     <p:fade/>
   </p:transition>
-  <p:timing>
-    <p:tnLst>
-      <p:par>
-        <p:cTn id="1" dur="indefinite" restart="never" nodeType="tmRoot"/>
-      </p:par>
-    </p:tnLst>
-  </p:timing>
 </p:sld>
 </file>
 
@@ -6349,7 +6342,7 @@
           <a:lstStyle/>
           <a:p>
             <a:r>
-              <a:rPr lang="en-GB"/>
+              <a:rPr lang="en-GB" dirty="0"/>
               <a:t>BAE Digital Intelligence NetReveal</a:t>
             </a:r>
             <a:endParaRPr lang="en-US" altLang="en-US" dirty="0"/>
@@ -6961,7 +6954,7 @@
           <a:lstStyle/>
           <a:p>
             <a:r>
-              <a:rPr lang="en-GB"/>
+              <a:rPr lang="en-GB" dirty="0"/>
               <a:t>BAE Digital Intelligence NetReveal</a:t>
             </a:r>
             <a:endParaRPr lang="en-US" altLang="en-US" dirty="0"/>
@@ -7220,14 +7213,11 @@
               </a:lnSpc>
             </a:pPr>
             <a:r>
-              <a:rPr lang="en-IE" altLang="en-US" sz="1600" dirty="0" smtClean="0">
+              <a:rPr lang="en-IE" altLang="en-US" sz="1600" dirty="0">
                 <a:ea typeface="굴림" charset="-127"/>
               </a:rPr>
-              <a:t>The NetReveal solution is deployed ‘on premise’. Client data is never transferred to an off-site hosted solution. </a:t>
-            </a:r>
-            <a:endParaRPr lang="en-IE" altLang="en-US" sz="1600" dirty="0">
-              <a:ea typeface="굴림" charset="-127"/>
-            </a:endParaRPr>
+              <a:t>The NetReveal solution is deployed ‘on premise’, usually in parallel with consultancy services on how best to deploy the solution. Client data is never transferred to an off-site hosted solution. </a:t>
+            </a:r>
           </a:p>
           <a:p>
             <a:pPr>
@@ -7246,12 +7236,8 @@
               </a:lnSpc>
             </a:pPr>
             <a:r>
-              <a:rPr lang="en-GB" sz="1600" dirty="0" smtClean="0"/>
-              <a:t>The product supports </a:t>
-            </a:r>
-            <a:r>
-              <a:rPr lang="en-GB" sz="1600" dirty="0" smtClean="0"/>
-              <a:t>automated interfaces to all major Watch List portals, such as Dow Jones, Acuity, SWIFT, BOE, etc.</a:t>
+              <a:rPr lang="en-GB" sz="1600" dirty="0"/>
+              <a:t>The product supports automated interfaces to all major Watch List portals, such as Dow Jones, Acuity, SWIFT, BOE, etc.</a:t>
             </a:r>
           </a:p>
           <a:p>
@@ -7269,7 +7255,7 @@
               </a:lnSpc>
             </a:pPr>
             <a:r>
-              <a:rPr lang="en-GB" sz="1600" dirty="0" smtClean="0"/>
+              <a:rPr lang="en-GB" sz="1600" dirty="0"/>
               <a:t>WLM algorithms ‘score’ each matched name and generate an alert, with explanation, based on a predefined score threshold. </a:t>
             </a:r>
           </a:p>
@@ -7288,18 +7274,28 @@
               </a:lnSpc>
             </a:pPr>
             <a:r>
-              <a:rPr lang="en-GB" sz="1600" dirty="0" smtClean="0"/>
-              <a:t>Suspicion Activity Reports (SARs) are generated by the NR solution in the format required for a given jurisdiction. For example, </a:t>
-            </a:r>
-            <a:r>
-              <a:rPr lang="en-GB" sz="1600" dirty="0" err="1" smtClean="0"/>
-              <a:t>FinCEN</a:t>
-            </a:r>
-            <a:r>
-              <a:rPr lang="en-GB" sz="1600" dirty="0" smtClean="0"/>
-              <a:t> in the United States.</a:t>
-            </a:r>
+              <a:rPr lang="en-GB" sz="1600" dirty="0"/>
+              <a:t>Suspicion Activity Reports (SARs) are generated by the NR solution in the format required for a given jurisdiction. For example, FinCEN in the United States.</a:t>
+            </a:r>
+          </a:p>
+          <a:p>
+            <a:pPr>
+              <a:lnSpc>
+                <a:spcPct val="90000"/>
+              </a:lnSpc>
+            </a:pPr>
             <a:endParaRPr lang="en-GB" sz="1600" dirty="0"/>
+          </a:p>
+          <a:p>
+            <a:pPr>
+              <a:lnSpc>
+                <a:spcPct val="90000"/>
+              </a:lnSpc>
+            </a:pPr>
+            <a:r>
+              <a:rPr lang="en-GB" sz="1600" dirty="0"/>
+              <a:t>The NR systems, and deployment consultant and support engineers, act as a processor of Watch List data but do not control the end result of the name matching process.</a:t>
+            </a:r>
           </a:p>
           <a:p>
             <a:pPr>
@@ -7390,13 +7386,6 @@
   <p:transition spd="slow">
     <p:fade/>
   </p:transition>
-  <p:timing>
-    <p:tnLst>
-      <p:par>
-        <p:cTn id="1" dur="indefinite" restart="never" nodeType="tmRoot"/>
-      </p:par>
-    </p:tnLst>
-  </p:timing>
 </p:sld>
 </file>
 
@@ -7438,7 +7427,7 @@
           <a:lstStyle/>
           <a:p>
             <a:r>
-              <a:rPr lang="en-GB"/>
+              <a:rPr lang="en-GB" dirty="0"/>
               <a:t>BAE Digital Intelligence NetReveal</a:t>
             </a:r>
             <a:endParaRPr lang="en-US" altLang="en-US" dirty="0"/>
@@ -7697,49 +7686,28 @@
               </a:lnSpc>
             </a:pPr>
             <a:r>
-              <a:rPr lang="en-GB" sz="1600" dirty="0" smtClean="0"/>
-              <a:t>In the NR Solution, user </a:t>
-            </a:r>
-            <a:r>
               <a:rPr lang="en-GB" sz="1600" dirty="0"/>
-              <a:t>profiles are configured on site </a:t>
-            </a:r>
-            <a:r>
-              <a:rPr lang="en-GB" sz="1600" dirty="0" smtClean="0"/>
-              <a:t>(within the FI infrastructure) to </a:t>
-            </a:r>
+              <a:t>In the NR Solution, user profiles are configured on site (within the FI infrastructure) to specifically identify ‘Data Stewards’ for Watch List and client transaction data. System profiles are tailored to isolate appropriate privileges for these roles.</a:t>
+            </a:r>
+          </a:p>
+          <a:p>
+            <a:pPr>
+              <a:lnSpc>
+                <a:spcPct val="90000"/>
+              </a:lnSpc>
+            </a:pPr>
+            <a:endParaRPr lang="en-GB" sz="1600" dirty="0"/>
+          </a:p>
+          <a:p>
+            <a:pPr>
+              <a:lnSpc>
+                <a:spcPct val="90000"/>
+              </a:lnSpc>
+            </a:pPr>
             <a:r>
               <a:rPr lang="en-GB" sz="1600" dirty="0"/>
-              <a:t>specifically identify ‘Data Stewards’ for Watch List and client transaction data. System profiles are tailored to isolate appropriate privileges for these roles.</a:t>
-            </a:r>
-          </a:p>
-          <a:p>
-            <a:pPr>
-              <a:lnSpc>
-                <a:spcPct val="90000"/>
-              </a:lnSpc>
-            </a:pPr>
-            <a:endParaRPr lang="en-GB" sz="1600" dirty="0" smtClean="0"/>
-          </a:p>
-          <a:p>
-            <a:pPr>
-              <a:lnSpc>
-                <a:spcPct val="90000"/>
-              </a:lnSpc>
-            </a:pPr>
-            <a:r>
-              <a:rPr lang="en-GB" sz="1600" dirty="0" smtClean="0"/>
-              <a:t>GDPR legislation requires that access to PII is restricted to only those with a legitimate need to process the data. It is the subject of current debate that this </a:t>
-            </a:r>
-            <a:r>
-              <a:rPr lang="en-GB" sz="1600" dirty="0" smtClean="0"/>
-              <a:t>may </a:t>
-            </a:r>
-            <a:r>
-              <a:rPr lang="en-GB" sz="1600" dirty="0" smtClean="0"/>
-              <a:t>exclude software engineers and testers who develop NR WLM software. This is an industry wide challenge, for which a definitive ruling has not yet been made.</a:t>
-            </a:r>
-            <a:endParaRPr lang="en-GB" sz="1600" dirty="0"/>
+              <a:t>GDPR legislation requires that access to PII is restricted to only those with a legitimate need to process the data. It is the subject of current debate that this may exclude software engineers and testers who develop NR WLM software. This is an industry wide challenge, for which a definitive ruling has not yet been made.</a:t>
+            </a:r>
           </a:p>
           <a:p>
             <a:pPr>
@@ -7758,14 +7726,11 @@
               </a:lnSpc>
             </a:pPr>
             <a:r>
-              <a:rPr lang="en-IE" altLang="en-US" sz="1600" dirty="0" smtClean="0">
+              <a:rPr lang="en-IE" altLang="en-US" sz="1600" dirty="0">
                 <a:ea typeface="굴림" charset="-127"/>
               </a:rPr>
               <a:t>In line with GDPR recommendations, NR WLM algorithms do not include ethnicity, sexual orientation, or religion in the name matching process. However, GDPR critics have complained that applications like NR make it relatively easy to infer such PII data from their WLM processes.</a:t>
             </a:r>
-            <a:endParaRPr lang="en-IE" altLang="en-US" sz="1600" dirty="0">
-              <a:ea typeface="굴림" charset="-127"/>
-            </a:endParaRPr>
           </a:p>
           <a:p>
             <a:pPr marL="0" indent="0">
@@ -7836,13 +7801,6 @@
   <p:transition spd="slow">
     <p:fade/>
   </p:transition>
-  <p:timing>
-    <p:tnLst>
-      <p:par>
-        <p:cTn id="1" dur="indefinite" restart="never" nodeType="tmRoot"/>
-      </p:par>
-    </p:tnLst>
-  </p:timing>
 </p:sld>
 </file>
 
@@ -7884,7 +7842,7 @@
           <a:lstStyle/>
           <a:p>
             <a:r>
-              <a:rPr lang="en-GB"/>
+              <a:rPr lang="en-GB" dirty="0"/>
               <a:t>BAE Digital Intelligence NetReveal</a:t>
             </a:r>
             <a:endParaRPr lang="en-US" altLang="en-US" dirty="0"/>
@@ -8143,7 +8101,7 @@
               </a:lnSpc>
             </a:pPr>
             <a:r>
-              <a:rPr lang="en-GB" altLang="en-US" sz="1600" dirty="0" smtClean="0">
+              <a:rPr lang="en-GB" altLang="en-US" sz="1600" dirty="0">
                 <a:ea typeface="굴림" charset="-127"/>
               </a:rPr>
               <a:t>Every new NR product release delivers refinements to name matching algorithms to reduce false positive and false negative results.</a:t>
@@ -8156,7 +8114,7 @@
               </a:lnSpc>
             </a:pPr>
             <a:r>
-              <a:rPr lang="en-GB" altLang="en-US" sz="1400" i="1" dirty="0" smtClean="0">
+              <a:rPr lang="en-GB" altLang="en-US" sz="1400" i="1" dirty="0">
                 <a:ea typeface="굴림" charset="-127"/>
               </a:rPr>
               <a:t>A false positive result generates unnecessary, and expensive, workload for company investigators and may unfairly deliver poor service to a customer.</a:t>
@@ -8169,7 +8127,7 @@
               </a:lnSpc>
             </a:pPr>
             <a:r>
-              <a:rPr lang="en-GB" altLang="en-US" sz="1400" i="1" dirty="0" smtClean="0">
+              <a:rPr lang="en-GB" altLang="en-US" sz="1400" i="1" dirty="0">
                 <a:ea typeface="굴림" charset="-127"/>
               </a:rPr>
               <a:t>The much greater ethical concern is a false negative that fails to capture restricted activity for which the FI is legally, and morally, bound to intercept.</a:t>
@@ -8192,7 +8150,7 @@
               </a:lnSpc>
             </a:pPr>
             <a:r>
-              <a:rPr lang="en-GB" sz="1600" dirty="0" smtClean="0">
+              <a:rPr lang="en-GB" sz="1600" dirty="0">
                 <a:ea typeface="굴림" charset="-127"/>
               </a:rPr>
               <a:t>Expanding NR deployments into new territories requires new product investment to ensure regional name matching requirements are met. Regulators will not except that WLM algorithms fail to capture criminal activity because it was too expensive to track names in Cyrillic text (for example). The NR WLM engine has libraries to parse names with characters in Mandarin, Korean, Thai, etc. </a:t>
@@ -8205,7 +8163,7 @@
                 <a:spcPct val="90000"/>
               </a:lnSpc>
             </a:pPr>
-            <a:endParaRPr lang="en-IE" altLang="en-US" sz="1600" dirty="0" smtClean="0">
+            <a:endParaRPr lang="en-IE" altLang="en-US" sz="1600" dirty="0">
               <a:ea typeface="굴림" charset="-127"/>
             </a:endParaRPr>
           </a:p>
@@ -8216,14 +8174,11 @@
               </a:lnSpc>
             </a:pPr>
             <a:r>
-              <a:rPr lang="en-IE" altLang="en-US" sz="1600" dirty="0" smtClean="0">
+              <a:rPr lang="en-IE" altLang="en-US" sz="1600" dirty="0">
                 <a:ea typeface="굴림" charset="-127"/>
               </a:rPr>
               <a:t>The content of the Watch Lists, including supported internal watch lists, is the responsibility of the provider – not the vendor (NR in this case).</a:t>
             </a:r>
-            <a:endParaRPr lang="en-IE" altLang="en-US" sz="1600" dirty="0">
-              <a:ea typeface="굴림" charset="-127"/>
-            </a:endParaRPr>
           </a:p>
           <a:p>
             <a:pPr>
@@ -8304,13 +8259,6 @@
   <p:transition spd="slow">
     <p:fade/>
   </p:transition>
-  <p:timing>
-    <p:tnLst>
-      <p:par>
-        <p:cTn id="1" dur="indefinite" restart="never" nodeType="tmRoot"/>
-      </p:par>
-    </p:tnLst>
-  </p:timing>
 </p:sld>
 </file>
 
@@ -8352,7 +8300,7 @@
           <a:lstStyle/>
           <a:p>
             <a:r>
-              <a:rPr lang="en-GB"/>
+              <a:rPr lang="en-GB" dirty="0"/>
               <a:t>BAE Digital Intelligence NetReveal</a:t>
             </a:r>
             <a:endParaRPr lang="en-US" altLang="en-US" dirty="0"/>
@@ -8611,7 +8559,7 @@
               </a:lnSpc>
             </a:pPr>
             <a:r>
-              <a:rPr lang="en-GB" altLang="en-US" sz="1800" dirty="0" smtClean="0">
+              <a:rPr lang="en-GB" altLang="en-US" sz="1800" dirty="0">
                 <a:ea typeface="굴림" charset="-127"/>
               </a:rPr>
               <a:t>Name matching technologies within NR are becoming increasingly sophisticated. New product innovations include the deployment of ML models to refine WLM scores.</a:t>
@@ -8634,7 +8582,7 @@
               </a:lnSpc>
             </a:pPr>
             <a:r>
-              <a:rPr lang="en-GB" sz="1800" dirty="0" smtClean="0">
+              <a:rPr lang="en-GB" sz="1800" dirty="0">
                 <a:ea typeface="굴림" charset="-127"/>
               </a:rPr>
               <a:t>More accurate name matching prevents misuse, accidental or otherwise, of personal data held within Watch Lists.</a:t>
@@ -8766,13 +8714,6 @@
   <p:transition spd="slow">
     <p:fade/>
   </p:transition>
-  <p:timing>
-    <p:tnLst>
-      <p:par>
-        <p:cTn id="1" dur="indefinite" restart="never" nodeType="tmRoot"/>
-      </p:par>
-    </p:tnLst>
-  </p:timing>
 </p:sld>
 </file>
 
@@ -8814,7 +8755,7 @@
           <a:lstStyle/>
           <a:p>
             <a:r>
-              <a:rPr lang="en-GB"/>
+              <a:rPr lang="en-GB" dirty="0"/>
               <a:t>BAE Digital Intelligence NetReveal</a:t>
             </a:r>
             <a:endParaRPr lang="en-US" altLang="en-US" dirty="0"/>
@@ -9073,7 +9014,7 @@
               </a:lnSpc>
             </a:pPr>
             <a:r>
-              <a:rPr lang="en-GB" sz="1800" dirty="0" smtClean="0">
+              <a:rPr lang="en-GB" sz="1800" dirty="0">
                 <a:ea typeface="굴림" charset="-127"/>
               </a:rPr>
               <a:t>Criminals using FI services continue to be increasingly sophisticated at masking their identity, including those seeking to dodge international sanctions.</a:t>
@@ -9096,7 +9037,7 @@
               </a:lnSpc>
             </a:pPr>
             <a:r>
-              <a:rPr lang="en-GB" sz="1800" dirty="0" smtClean="0">
+              <a:rPr lang="en-GB" sz="1800" dirty="0">
                 <a:ea typeface="굴림" charset="-127"/>
               </a:rPr>
               <a:t>NR WLM solutions are under constant pressure to evolve to prevent money laundering or funding activities that are contrary to the common good of society. </a:t>
@@ -9228,13 +9169,6 @@
   <p:transition spd="slow">
     <p:fade/>
   </p:transition>
-  <p:timing>
-    <p:tnLst>
-      <p:par>
-        <p:cTn id="1" dur="indefinite" restart="never" nodeType="tmRoot"/>
-      </p:par>
-    </p:tnLst>
-  </p:timing>
 </p:sld>
 </file>
 
@@ -9588,13 +9522,6 @@
   <p:transition spd="slow">
     <p:fade/>
   </p:transition>
-  <p:timing>
-    <p:tnLst>
-      <p:par>
-        <p:cTn id="1" dur="indefinite" restart="never" nodeType="tmRoot"/>
-      </p:par>
-    </p:tnLst>
-  </p:timing>
 </p:sld>
 </file>
 
@@ -9667,19 +9594,7 @@
               <a:rPr lang="en-IE" altLang="ko-KR" dirty="0">
                 <a:ea typeface="굴림" charset="-127"/>
               </a:rPr>
-              <a:t>Anti-Money Laundering (AML) systems are typically an integrated set of processes and automated system to detect, prevent, and report </a:t>
-            </a:r>
-            <a:r>
-              <a:rPr lang="en-IE" altLang="ko-KR" dirty="0" smtClean="0">
-                <a:ea typeface="굴림" charset="-127"/>
-              </a:rPr>
-              <a:t>restricted* </a:t>
-            </a:r>
-            <a:r>
-              <a:rPr lang="en-IE" altLang="ko-KR" dirty="0">
-                <a:ea typeface="굴림" charset="-127"/>
-              </a:rPr>
-              <a:t>activity in a financial network</a:t>
+              <a:t>Anti-Money Laundering (AML) systems are typically an integrated set of processes and automated system to detect, prevent, and report restricted* activity in a financial network</a:t>
             </a:r>
             <a:r>
               <a:rPr lang="ru-RU" altLang="ko-KR" dirty="0">
@@ -9727,7 +9642,7 @@
               </a:rPr>
               <a:t> </a:t>
             </a:r>
-            <a:endParaRPr lang="en-GB" altLang="ko-KR" dirty="0" smtClean="0">
+            <a:endParaRPr lang="en-GB" altLang="ko-KR" dirty="0">
               <a:ea typeface="굴림" charset="-127"/>
             </a:endParaRPr>
           </a:p>
@@ -9735,7 +9650,7 @@
             <a:pPr marL="0" indent="0">
               <a:buNone/>
             </a:pPr>
-            <a:endParaRPr lang="en-GB" altLang="en-US" sz="1200" i="1" dirty="0" smtClean="0">
+            <a:endParaRPr lang="en-GB" altLang="en-US" sz="1200" i="1" dirty="0">
               <a:ea typeface="굴림" charset="-127"/>
             </a:endParaRPr>
           </a:p>
@@ -9744,7 +9659,7 @@
               <a:buNone/>
             </a:pPr>
             <a:r>
-              <a:rPr lang="en-GB" altLang="en-US" sz="1200" i="1" dirty="0" smtClean="0">
+              <a:rPr lang="en-GB" altLang="en-US" sz="1200" i="1" dirty="0">
                 <a:ea typeface="굴림" charset="-127"/>
               </a:rPr>
               <a:t>*’Restricted’ can be considered not just suspected criminal or terrorist related transactions, but also activity by ‘Politically Exposed Persons’ (P.E.P) who may be the subject of multi-government sanctions.</a:t>
@@ -9761,13 +9676,6 @@
   <p:transition spd="slow">
     <p:fade/>
   </p:transition>
-  <p:timing>
-    <p:tnLst>
-      <p:par>
-        <p:cTn id="1" dur="indefinite" restart="never" nodeType="tmRoot"/>
-      </p:par>
-    </p:tnLst>
-  </p:timing>
 </p:sld>
 </file>
 
@@ -9810,11 +9718,7 @@
           <a:p>
             <a:r>
               <a:rPr lang="en-GB" dirty="0"/>
-              <a:t>The AML </a:t>
-            </a:r>
-            <a:r>
-              <a:rPr lang="en-GB" dirty="0" smtClean="0"/>
-              <a:t>(Name Screening) Process</a:t>
+              <a:t>The AML (Name Screening) Process</a:t>
             </a:r>
             <a:endParaRPr lang="en-US" altLang="en-US" dirty="0"/>
           </a:p>
@@ -10996,13 +10900,6 @@
   <p:transition spd="slow">
     <p:fade/>
   </p:transition>
-  <p:timing>
-    <p:tnLst>
-      <p:par>
-        <p:cTn id="1" dur="indefinite" restart="never" nodeType="tmRoot"/>
-      </p:par>
-    </p:tnLst>
-  </p:timing>
 </p:sld>
 </file>
 
@@ -11279,7 +11176,7 @@
               </a:lnSpc>
               <a:buNone/>
             </a:pPr>
-            <a:endParaRPr lang="en-IE" altLang="en-US" sz="1800" dirty="0" smtClean="0">
+            <a:endParaRPr lang="en-IE" altLang="en-US" sz="1800" dirty="0">
               <a:ea typeface="굴림" charset="-127"/>
             </a:endParaRPr>
           </a:p>
@@ -11290,21 +11187,12 @@
               </a:lnSpc>
               <a:buNone/>
             </a:pPr>
-            <a:r>
-              <a:rPr lang="en-IE" altLang="en-US" sz="1800" dirty="0" smtClean="0">
-                <a:ea typeface="굴림" charset="-127"/>
-              </a:rPr>
-              <a:t>Taking </a:t>
-            </a:r>
             <a:r>
               <a:rPr lang="en-IE" altLang="en-US" sz="1800" dirty="0">
                 <a:ea typeface="굴림" charset="-127"/>
               </a:rPr>
-              <a:t>GDPR regulations as an example, inclusion of an individual on a Watch List is, by definition, the recording of special category data. </a:t>
-            </a:r>
-            <a:endParaRPr lang="en-IE" altLang="en-US" sz="1800" dirty="0" smtClean="0">
-              <a:ea typeface="굴림" charset="-127"/>
-            </a:endParaRPr>
+              <a:t>Taking GDPR regulations as an example, inclusion of an individual on a Watch List is, by definition, the recording of special category data. </a:t>
+            </a:r>
           </a:p>
           <a:p>
             <a:pPr marL="0" indent="0">
@@ -11325,22 +11213,10 @@
               <a:buNone/>
             </a:pPr>
             <a:r>
-              <a:rPr lang="en-IE" altLang="en-US" sz="1800" dirty="0" smtClean="0">
-                <a:ea typeface="굴림" charset="-127"/>
-              </a:rPr>
-              <a:t>This </a:t>
-            </a:r>
-            <a:r>
               <a:rPr lang="en-IE" altLang="en-US" sz="1800" dirty="0">
                 <a:ea typeface="굴림" charset="-127"/>
               </a:rPr>
-              <a:t>is </a:t>
-            </a:r>
-            <a:r>
-              <a:rPr lang="en-IE" altLang="en-US" sz="1800" dirty="0" smtClean="0">
-                <a:ea typeface="굴림" charset="-127"/>
-              </a:rPr>
-              <a:t>permitted by international law and controlled by a number of governmental (and non-governmental authorities). For example, Article 6 of GDPR legislation includes the basis for collection and processing personal data for AML purposes.</a:t>
+              <a:t>This is permitted by international law and controlled by a number of governmental (and non-governmental authorities). For example, Article 6 of GDPR legislation includes the basis for collection and processing personal data for AML purposes.</a:t>
             </a:r>
           </a:p>
           <a:p>
@@ -11362,35 +11238,10 @@
               <a:buNone/>
             </a:pPr>
             <a:r>
-              <a:rPr lang="en-IE" altLang="en-US" sz="1800" dirty="0" smtClean="0">
+              <a:rPr lang="en-IE" altLang="en-US" sz="1800" dirty="0">
                 <a:ea typeface="굴림" charset="-127"/>
               </a:rPr>
               <a:t>However, this generates challenges, such as those described in the following set of slides.</a:t>
-            </a:r>
-          </a:p>
-          <a:p>
-            <a:pPr marL="0" indent="0">
-              <a:lnSpc>
-                <a:spcPct val="90000"/>
-              </a:lnSpc>
-              <a:buNone/>
-            </a:pPr>
-            <a:endParaRPr lang="en-IE" altLang="en-US" sz="1800" dirty="0" smtClean="0">
-              <a:ea typeface="굴림" charset="-127"/>
-            </a:endParaRPr>
-          </a:p>
-          <a:p>
-            <a:pPr marL="0" indent="0">
-              <a:lnSpc>
-                <a:spcPct val="90000"/>
-              </a:lnSpc>
-              <a:buNone/>
-            </a:pPr>
-            <a:r>
-              <a:rPr lang="en-IE" altLang="en-US" sz="1800" dirty="0" smtClean="0">
-                <a:ea typeface="굴림" charset="-127"/>
-              </a:rPr>
-              <a:t>One might argue that the restrictions imposed by AML/WLM processes and systems are intended to regulate the global financial work with a deontological approach that seeks to apply a fair and ethical policy on business and consumers alike.</a:t>
             </a:r>
           </a:p>
           <a:p>
@@ -11412,14 +11263,36 @@
               <a:buNone/>
             </a:pPr>
             <a:r>
-              <a:rPr lang="en-IE" altLang="en-US" sz="1800" dirty="0" smtClean="0">
+              <a:rPr lang="en-IE" altLang="en-US" sz="1800" dirty="0">
+                <a:ea typeface="굴림" charset="-127"/>
+              </a:rPr>
+              <a:t>One might argue that the restrictions imposed by AML/WLM processes and systems are intended to regulate the global financial work with a deontological approach that seeks to apply a fair and ethical policy on business and consumers alike.</a:t>
+            </a:r>
+          </a:p>
+          <a:p>
+            <a:pPr marL="0" indent="0">
+              <a:lnSpc>
+                <a:spcPct val="90000"/>
+              </a:lnSpc>
+              <a:buNone/>
+            </a:pPr>
+            <a:endParaRPr lang="en-IE" altLang="en-US" sz="1800" dirty="0">
+              <a:ea typeface="굴림" charset="-127"/>
+            </a:endParaRPr>
+          </a:p>
+          <a:p>
+            <a:pPr marL="0" indent="0">
+              <a:lnSpc>
+                <a:spcPct val="90000"/>
+              </a:lnSpc>
+              <a:buNone/>
+            </a:pPr>
+            <a:r>
+              <a:rPr lang="en-IE" altLang="en-US" sz="1800" dirty="0">
                 <a:ea typeface="굴림" charset="-127"/>
               </a:rPr>
               <a:t>Certain P.E.P.s may question the motive of their inclusion on Watch Lists and declare that such ethics are related to the current dominant political philosophy of the day.</a:t>
             </a:r>
-            <a:endParaRPr lang="en-IE" altLang="en-US" sz="1800" dirty="0">
-              <a:ea typeface="굴림" charset="-127"/>
-            </a:endParaRPr>
           </a:p>
           <a:p>
             <a:pPr>
@@ -11427,7 +11300,7 @@
                 <a:spcPct val="90000"/>
               </a:lnSpc>
             </a:pPr>
-            <a:endParaRPr lang="en-IE" altLang="en-US" sz="1800" b="1" dirty="0" smtClean="0">
+            <a:endParaRPr lang="en-IE" altLang="en-US" sz="1800" b="1" dirty="0">
               <a:ea typeface="굴림" charset="-127"/>
             </a:endParaRPr>
           </a:p>
@@ -11475,13 +11348,6 @@
   <p:transition spd="slow">
     <p:fade/>
   </p:transition>
-  <p:timing>
-    <p:tnLst>
-      <p:par>
-        <p:cTn id="1" dur="indefinite" restart="never" nodeType="tmRoot"/>
-      </p:par>
-    </p:tnLst>
-  </p:timing>
 </p:sld>
 </file>
 
@@ -11757,7 +11623,7 @@
                 <a:spcPct val="90000"/>
               </a:lnSpc>
             </a:pPr>
-            <a:endParaRPr lang="en-IE" altLang="en-US" sz="1800" b="1" dirty="0" smtClean="0">
+            <a:endParaRPr lang="en-IE" altLang="en-US" sz="1800" b="1" dirty="0">
               <a:ea typeface="굴림" charset="-127"/>
             </a:endParaRPr>
           </a:p>
@@ -11768,7 +11634,7 @@
               </a:lnSpc>
             </a:pPr>
             <a:r>
-              <a:rPr lang="en-IE" altLang="en-US" sz="1800" b="1" dirty="0" smtClean="0">
+              <a:rPr lang="en-IE" altLang="en-US" sz="1800" b="1" dirty="0">
                 <a:ea typeface="굴림" charset="-127"/>
               </a:rPr>
               <a:t>Ethics</a:t>
@@ -11780,7 +11646,7 @@
                 <a:spcPct val="90000"/>
               </a:lnSpc>
             </a:pPr>
-            <a:endParaRPr lang="en-IE" altLang="en-US" sz="1600" dirty="0" smtClean="0">
+            <a:endParaRPr lang="en-IE" altLang="en-US" sz="1600" dirty="0">
               <a:ea typeface="굴림" charset="-127"/>
             </a:endParaRPr>
           </a:p>
@@ -11803,7 +11669,7 @@
                 <a:spcPct val="90000"/>
               </a:lnSpc>
             </a:pPr>
-            <a:endParaRPr lang="en-IE" altLang="en-US" sz="1600" dirty="0" smtClean="0">
+            <a:endParaRPr lang="en-IE" altLang="en-US" sz="1600" dirty="0">
               <a:ea typeface="굴림" charset="-127"/>
             </a:endParaRPr>
           </a:p>
@@ -11814,13 +11680,13 @@
               </a:lnSpc>
             </a:pPr>
             <a:r>
-              <a:rPr lang="en-IE" altLang="en-US" sz="1600" dirty="0" smtClean="0">
+              <a:rPr lang="en-IE" altLang="en-US" sz="1600" dirty="0">
                 <a:ea typeface="굴림" charset="-127"/>
               </a:rPr>
               <a:t>Name matching is not always an exact science (see prior example). However, companies must constantly ensure that ‘Fuzzy’ matching algorithms minimise both false positive and false negative matches. </a:t>
             </a:r>
             <a:r>
-              <a:rPr lang="en-IE" altLang="en-US" sz="1200" i="1" dirty="0" smtClean="0">
+              <a:rPr lang="en-IE" altLang="en-US" sz="1200" i="1" dirty="0">
                 <a:ea typeface="굴림" charset="-127"/>
               </a:rPr>
               <a:t>(Respect those who are justly innocent, do not fail to capture the guilty). </a:t>
@@ -11843,19 +11709,19 @@
               </a:lnSpc>
             </a:pPr>
             <a:r>
-              <a:rPr lang="en-IE" altLang="en-US" sz="1600" dirty="0" smtClean="0">
+              <a:rPr lang="en-IE" altLang="en-US" sz="1600" dirty="0">
                 <a:ea typeface="굴림" charset="-127"/>
               </a:rPr>
               <a:t>FIs must implement decisions based on </a:t>
             </a:r>
             <a:r>
-              <a:rPr lang="en-IE" altLang="en-US" sz="1600" b="1" dirty="0" smtClean="0">
+              <a:rPr lang="en-IE" altLang="en-US" sz="1600" b="1" dirty="0">
                 <a:ea typeface="굴림" charset="-127"/>
               </a:rPr>
               <a:t>external</a:t>
             </a:r>
             <a:r>
-              <a:rPr lang="en-IE" altLang="en-US" sz="1600" dirty="0" smtClean="0">
+              <a:rPr lang="en-IE" altLang="en-US" sz="1600" dirty="0">
                 <a:ea typeface="굴림" charset="-127"/>
               </a:rPr>
               <a:t> Watch Lists despite not being the arbiters of who/why an individual is added. Nation states or organisations can add entries based solely on ‘suspicion’ or add PEP entries based on changes in regional politics.</a:t>
@@ -11878,25 +11744,25 @@
               </a:lnSpc>
             </a:pPr>
             <a:r>
-              <a:rPr lang="en-IE" altLang="en-US" sz="1600" dirty="0" smtClean="0">
+              <a:rPr lang="en-IE" altLang="en-US" sz="1600" dirty="0">
                 <a:ea typeface="굴림" charset="-127"/>
               </a:rPr>
               <a:t>Many FIs also use </a:t>
             </a:r>
             <a:r>
-              <a:rPr lang="en-IE" altLang="en-US" sz="1600" b="1" dirty="0" smtClean="0">
+              <a:rPr lang="en-IE" altLang="en-US" sz="1600" b="1" dirty="0">
                 <a:ea typeface="굴림" charset="-127"/>
               </a:rPr>
               <a:t>internal</a:t>
             </a:r>
             <a:r>
-              <a:rPr lang="en-IE" altLang="en-US" sz="1600" dirty="0" smtClean="0">
+              <a:rPr lang="en-IE" altLang="en-US" sz="1600" dirty="0">
                 <a:ea typeface="굴림" charset="-127"/>
               </a:rPr>
               <a:t> Watch Lists. These must be shown to be free of any local bias. </a:t>
             </a:r>
             <a:r>
-              <a:rPr lang="en-IE" altLang="en-US" sz="1200" i="1" dirty="0" smtClean="0">
+              <a:rPr lang="en-IE" altLang="en-US" sz="1200" i="1" dirty="0">
                 <a:ea typeface="굴림" charset="-127"/>
               </a:rPr>
               <a:t>(The term ‘Black List’ is occasionally used by FIs but for social and ethical reasons there is strong push to remove this type of language from business discourse).</a:t>
@@ -11936,13 +11802,6 @@
   <p:transition spd="slow">
     <p:fade/>
   </p:transition>
-  <p:timing>
-    <p:tnLst>
-      <p:par>
-        <p:cTn id="1" dur="indefinite" restart="never" nodeType="tmRoot"/>
-      </p:par>
-    </p:tnLst>
-  </p:timing>
 </p:sld>
 </file>
 
@@ -12232,36 +12091,7 @@
               <a:rPr lang="en-IE" altLang="en-US" b="1" dirty="0">
                 <a:ea typeface="굴림" charset="-127"/>
               </a:rPr>
-              <a:t>Data </a:t>
-            </a:r>
-            <a:r>
-              <a:rPr lang="en-IE" altLang="en-US" b="1" dirty="0" smtClean="0">
-                <a:ea typeface="굴림" charset="-127"/>
-              </a:rPr>
-              <a:t>Governance</a:t>
-            </a:r>
-          </a:p>
-          <a:p>
-            <a:pPr lvl="1">
-              <a:lnSpc>
-                <a:spcPct val="90000"/>
-              </a:lnSpc>
-            </a:pPr>
-            <a:endParaRPr lang="en-IE" altLang="en-US" sz="1600" dirty="0" smtClean="0">
-              <a:ea typeface="굴림" charset="-127"/>
-            </a:endParaRPr>
-          </a:p>
-          <a:p>
-            <a:pPr lvl="1">
-              <a:lnSpc>
-                <a:spcPct val="90000"/>
-              </a:lnSpc>
-            </a:pPr>
-            <a:r>
-              <a:rPr lang="en-IE" altLang="en-US" sz="1600" dirty="0" smtClean="0">
-                <a:ea typeface="굴림" charset="-127"/>
-              </a:rPr>
-              <a:t>WLM systems developers and controllers/processors must ensure (from the C-level downwards) that established, continuous, and evolving policies are in place to keep Watch Lists up-to-date.</a:t>
+              <a:t>Data Governance</a:t>
             </a:r>
           </a:p>
           <a:p>
@@ -12281,10 +12111,10 @@
               </a:lnSpc>
             </a:pPr>
             <a:r>
-              <a:rPr lang="en-IE" altLang="en-US" sz="1600" dirty="0" smtClean="0">
+              <a:rPr lang="en-IE" altLang="en-US" sz="1600" dirty="0">
                 <a:ea typeface="굴림" charset="-127"/>
               </a:rPr>
-              <a:t>FI management must be able to show that redundant, or obsolete, copies have been be deleted/destroyed. </a:t>
+              <a:t>WLM systems developers and controllers/processors must ensure (from the C-level downwards) that established, continuous, and evolving policies are in place to keep Watch Lists up-to-date.</a:t>
             </a:r>
           </a:p>
           <a:p>
@@ -12304,10 +12134,10 @@
               </a:lnSpc>
             </a:pPr>
             <a:r>
-              <a:rPr lang="en-IE" altLang="en-US" sz="1600" dirty="0" smtClean="0">
+              <a:rPr lang="en-IE" altLang="en-US" sz="1600" dirty="0">
                 <a:ea typeface="굴림" charset="-127"/>
               </a:rPr>
-              <a:t>WLM systems must be managed so that new Watch Lists (or deltas to existing Watch Lists) are acquired and deployed into a live production environment as soon as possible.</a:t>
+              <a:t>FI management must be able to show that redundant, or obsolete, copies have been be deleted/destroyed. </a:t>
             </a:r>
           </a:p>
           <a:p>
@@ -12327,10 +12157,10 @@
               </a:lnSpc>
             </a:pPr>
             <a:r>
-              <a:rPr lang="en-IE" altLang="en-US" sz="1600" dirty="0" smtClean="0">
+              <a:rPr lang="en-IE" altLang="en-US" sz="1600" dirty="0">
                 <a:ea typeface="굴림" charset="-127"/>
               </a:rPr>
-              <a:t>Every FI must have named staff that can interpret why internal (or vendor) WLM software flagged an individual or transaction against a given WatchList.</a:t>
+              <a:t>WLM systems must be managed so that new Watch Lists (or deltas to existing Watch Lists) are acquired and deployed into a live production environment as soon as possible.</a:t>
             </a:r>
           </a:p>
           <a:p>
@@ -12350,14 +12180,34 @@
               </a:lnSpc>
             </a:pPr>
             <a:r>
-              <a:rPr lang="en-IE" altLang="en-US" sz="1600" dirty="0" smtClean="0">
+              <a:rPr lang="en-IE" altLang="en-US" sz="1600" dirty="0">
+                <a:ea typeface="굴림" charset="-127"/>
+              </a:rPr>
+              <a:t>Every FI must have named staff that can interpret why internal (or vendor) WLM software flagged an individual or transaction against a given WatchList.</a:t>
+            </a:r>
+          </a:p>
+          <a:p>
+            <a:pPr lvl="1">
+              <a:lnSpc>
+                <a:spcPct val="90000"/>
+              </a:lnSpc>
+            </a:pPr>
+            <a:endParaRPr lang="en-IE" altLang="en-US" sz="1600" dirty="0">
+              <a:ea typeface="굴림" charset="-127"/>
+            </a:endParaRPr>
+          </a:p>
+          <a:p>
+            <a:pPr lvl="1">
+              <a:lnSpc>
+                <a:spcPct val="90000"/>
+              </a:lnSpc>
+            </a:pPr>
+            <a:r>
+              <a:rPr lang="en-IE" altLang="en-US" sz="1600" dirty="0">
                 <a:ea typeface="굴림" charset="-127"/>
               </a:rPr>
               <a:t>A named individual, or group of individuals, within an FI must hold responsibility for the reporting of suspicion activity to the relevant regulatory authority. This group must also be aware of the penalty for the FI for failure, by inaction or inability, to comply with these regulations.</a:t>
             </a:r>
-            <a:endParaRPr lang="en-IE" altLang="en-US" sz="1600" dirty="0">
-              <a:ea typeface="굴림" charset="-127"/>
-            </a:endParaRPr>
           </a:p>
           <a:p>
             <a:pPr>
@@ -12393,13 +12243,6 @@
   <p:transition spd="slow">
     <p:fade/>
   </p:transition>
-  <p:timing>
-    <p:tnLst>
-      <p:par>
-        <p:cTn id="1" dur="indefinite" restart="never" nodeType="tmRoot"/>
-      </p:par>
-    </p:tnLst>
-  </p:timing>
 </p:sld>
 </file>
 
@@ -12686,33 +12529,10 @@
               </a:lnSpc>
             </a:pPr>
             <a:r>
-              <a:rPr lang="en-IE" altLang="en-US" sz="1800" b="1" dirty="0" smtClean="0">
+              <a:rPr lang="en-IE" altLang="en-US" sz="1800" b="1" dirty="0">
                 <a:ea typeface="굴림" charset="-127"/>
               </a:rPr>
               <a:t>Data Privacy</a:t>
-            </a:r>
-          </a:p>
-          <a:p>
-            <a:pPr lvl="1">
-              <a:lnSpc>
-                <a:spcPct val="90000"/>
-              </a:lnSpc>
-            </a:pPr>
-            <a:endParaRPr lang="en-IE" altLang="en-US" sz="1600" dirty="0" smtClean="0">
-              <a:ea typeface="굴림" charset="-127"/>
-            </a:endParaRPr>
-          </a:p>
-          <a:p>
-            <a:pPr lvl="1">
-              <a:lnSpc>
-                <a:spcPct val="90000"/>
-              </a:lnSpc>
-            </a:pPr>
-            <a:r>
-              <a:rPr lang="en-IE" altLang="en-US" sz="1600" dirty="0" smtClean="0">
-                <a:ea typeface="굴림" charset="-127"/>
-              </a:rPr>
-              <a:t>Access to Watch Lists must be restricted to those with appropriate clearance. This data restriction is a challenge for software vendors of WLM systems. In the development process ‘real’ data is often a key ingredient in building effective name matching algorithms and alert scoring processes.</a:t>
             </a:r>
           </a:p>
           <a:p>
@@ -12732,10 +12552,10 @@
               </a:lnSpc>
             </a:pPr>
             <a:r>
-              <a:rPr lang="en-IE" altLang="en-US" sz="1600" dirty="0" smtClean="0">
+              <a:rPr lang="en-IE" altLang="en-US" sz="1600" dirty="0">
                 <a:ea typeface="굴림" charset="-127"/>
               </a:rPr>
-              <a:t>Watch List data must not be used outside of the intended purpose of preventing money laundering or the funding of illegal activity (a Use Limitation Principle applies). For example, it cannot be used for internal customer ‘profiling’.</a:t>
+              <a:t>Access to Watch Lists must be restricted to those with appropriate clearance. This data restriction is a challenge for software vendors of WLM systems. In the development process ‘real’ data is often a key ingredient in building effective name matching algorithms and alert scoring processes.</a:t>
             </a:r>
           </a:p>
           <a:p>
@@ -12758,6 +12578,29 @@
               <a:rPr lang="en-IE" altLang="en-US" sz="1600" dirty="0">
                 <a:ea typeface="굴림" charset="-127"/>
               </a:rPr>
+              <a:t>Watch List data must not be used outside of the intended purpose of preventing money laundering or the funding of illegal activity (a Use Limitation Principle applies). For example, it cannot be used for internal customer ‘profiling’.</a:t>
+            </a:r>
+          </a:p>
+          <a:p>
+            <a:pPr lvl="1">
+              <a:lnSpc>
+                <a:spcPct val="90000"/>
+              </a:lnSpc>
+            </a:pPr>
+            <a:endParaRPr lang="en-IE" altLang="en-US" sz="1600" dirty="0">
+              <a:ea typeface="굴림" charset="-127"/>
+            </a:endParaRPr>
+          </a:p>
+          <a:p>
+            <a:pPr lvl="1">
+              <a:lnSpc>
+                <a:spcPct val="90000"/>
+              </a:lnSpc>
+            </a:pPr>
+            <a:r>
+              <a:rPr lang="en-IE" altLang="en-US" sz="1600" dirty="0">
+                <a:ea typeface="굴림" charset="-127"/>
+              </a:rPr>
               <a:t>GDPR Article 17 contains legislation on the ‘</a:t>
             </a:r>
             <a:r>
@@ -12770,13 +12613,7 @@
               <a:rPr lang="en-IE" altLang="en-US" sz="1600" dirty="0">
                 <a:ea typeface="굴림" charset="-127"/>
               </a:rPr>
-              <a:t>’. </a:t>
-            </a:r>
-            <a:r>
-              <a:rPr lang="en-IE" altLang="en-US" sz="1600" dirty="0" smtClean="0">
-                <a:ea typeface="굴림" charset="-127"/>
-              </a:rPr>
-              <a:t>However, the EU’s 4AMLD takes precedence and an FI must record history of suspected suspicious activity for five years. Also, GDPR allows data to be preserved to comply with a ‘legal ruling’, which make it difficult for an individual to be removed from an EU based Watch List.</a:t>
+              <a:t>’. However, the EU’s 4AMLD takes precedence and an FI must record history of suspected suspicious activity for five years. Also, GDPR allows data to be preserved to comply with a ‘legal ruling’, which make it difficult for an individual to be removed from an EU based Watch List.</a:t>
             </a:r>
             <a:endParaRPr lang="uk-UA" altLang="en-US" sz="1600" dirty="0"/>
           </a:p>
@@ -12786,7 +12623,7 @@
                 <a:spcPct val="90000"/>
               </a:lnSpc>
             </a:pPr>
-            <a:endParaRPr lang="en-IE" altLang="en-US" sz="1600" dirty="0" smtClean="0">
+            <a:endParaRPr lang="en-IE" altLang="en-US" sz="1600" dirty="0">
               <a:ea typeface="굴림" charset="-127"/>
             </a:endParaRPr>
           </a:p>
@@ -12824,13 +12661,6 @@
   <p:transition spd="slow">
     <p:fade/>
   </p:transition>
-  <p:timing>
-    <p:tnLst>
-      <p:par>
-        <p:cTn id="1" dur="indefinite" restart="never" nodeType="tmRoot"/>
-      </p:par>
-    </p:tnLst>
-  </p:timing>
 </p:sld>
 </file>
 
@@ -12872,7 +12702,7 @@
           <a:lstStyle/>
           <a:p>
             <a:r>
-              <a:rPr lang="en-GB"/>
+              <a:rPr lang="en-GB" dirty="0"/>
               <a:t>BAE Digital Intelligence NetReveal</a:t>
             </a:r>
             <a:endParaRPr lang="en-US" altLang="en-US" dirty="0"/>
@@ -13106,7 +12936,7 @@
                 <a:spcPct val="90000"/>
               </a:lnSpc>
             </a:pPr>
-            <a:endParaRPr lang="en-IE" altLang="en-US" sz="1800" dirty="0" smtClean="0">
+            <a:endParaRPr lang="en-IE" altLang="en-US" sz="1800" dirty="0">
               <a:ea typeface="굴림" charset="-127"/>
             </a:endParaRPr>
           </a:p>
@@ -13116,17 +12946,11 @@
                 <a:spcPct val="90000"/>
               </a:lnSpc>
             </a:pPr>
-            <a:r>
-              <a:rPr lang="en-IE" altLang="en-US" sz="1800" dirty="0" smtClean="0">
-                <a:ea typeface="굴림" charset="-127"/>
-              </a:rPr>
-              <a:t>The </a:t>
-            </a:r>
             <a:r>
               <a:rPr lang="en-IE" altLang="en-US" sz="1800" dirty="0">
                 <a:ea typeface="굴림" charset="-127"/>
               </a:rPr>
-              <a:t>BAE D.I. NetReveal (NR) AML/WLM solution is one of the key vendor offering in this Compliance space for FIs.</a:t>
+              <a:t>The BAE D.I. NetReveal (NR) AML/WLM solution is one of the key vendor offering in this Compliance space for FIs.</a:t>
             </a:r>
           </a:p>
           <a:p>
@@ -13172,25 +12996,7 @@
               <a:rPr lang="en-IE" altLang="en-US" sz="1800" dirty="0">
                 <a:ea typeface="굴림" charset="-127"/>
               </a:rPr>
-              <a:t>NR name screening processes face all the key challenges </a:t>
-            </a:r>
-            <a:r>
-              <a:rPr lang="en-IE" altLang="en-US" sz="1800" dirty="0" smtClean="0">
-                <a:ea typeface="굴림" charset="-127"/>
-              </a:rPr>
-              <a:t>associated with </a:t>
-            </a:r>
-            <a:r>
-              <a:rPr lang="en-IE" altLang="en-US" sz="1800" dirty="0">
-                <a:ea typeface="굴림" charset="-127"/>
-              </a:rPr>
-              <a:t>modern AML/WLM systems</a:t>
-            </a:r>
-            <a:r>
-              <a:rPr lang="en-IE" altLang="en-US" sz="1800" dirty="0" smtClean="0">
-                <a:ea typeface="굴림" charset="-127"/>
-              </a:rPr>
-              <a:t>.</a:t>
+              <a:t>NR name screening processes face all the key challenges associated with modern AML/WLM systems.</a:t>
             </a:r>
           </a:p>
           <a:p>
@@ -13199,7 +13005,7 @@
                 <a:spcPct val="90000"/>
               </a:lnSpc>
             </a:pPr>
-            <a:endParaRPr lang="en-IE" altLang="en-US" sz="1800" dirty="0" smtClean="0">
+            <a:endParaRPr lang="en-IE" altLang="en-US" sz="1800" dirty="0">
               <a:ea typeface="굴림" charset="-127"/>
             </a:endParaRPr>
           </a:p>
@@ -13516,7 +13322,7 @@
                 <a:spcPct val="90000"/>
               </a:lnSpc>
             </a:pPr>
-            <a:endParaRPr lang="en-IE" altLang="en-US" sz="1800" dirty="0" smtClean="0">
+            <a:endParaRPr lang="en-IE" altLang="en-US" sz="1800" dirty="0">
               <a:ea typeface="굴림" charset="-127"/>
             </a:endParaRPr>
           </a:p>
@@ -13537,26 +13343,23 @@
               </a:lnSpc>
             </a:pPr>
             <a:r>
-              <a:rPr lang="en-IE" altLang="en-US" sz="1800" dirty="0" smtClean="0">
+              <a:rPr lang="en-IE" altLang="en-US" sz="1800" dirty="0">
                 <a:ea typeface="굴림" charset="-127"/>
               </a:rPr>
               <a:t>It is important to note that NR AML/WLM solutions, in common with most similar vendor solutions, do not limit name matching to just ‘</a:t>
             </a:r>
             <a:r>
-              <a:rPr lang="en-IE" altLang="en-US" sz="1800" i="1" dirty="0" smtClean="0">
+              <a:rPr lang="en-IE" altLang="en-US" sz="1800" i="1" dirty="0">
                 <a:ea typeface="굴림" charset="-127"/>
               </a:rPr>
               <a:t>names</a:t>
             </a:r>
             <a:r>
-              <a:rPr lang="en-IE" altLang="en-US" sz="1800" dirty="0" smtClean="0">
+              <a:rPr lang="en-IE" altLang="en-US" sz="1800" dirty="0">
                 <a:ea typeface="굴림" charset="-127"/>
               </a:rPr>
               <a:t>’. Other identifiers can, and must, be used in the matching process, for example DOB, country of birth, names of known associates, etc.</a:t>
             </a:r>
-            <a:endParaRPr lang="en-IE" altLang="en-US" sz="1800" dirty="0">
-              <a:ea typeface="굴림" charset="-127"/>
-            </a:endParaRPr>
           </a:p>
           <a:p>
             <a:pPr>
